--- a/Presentationsmaterial/Dokument/1.2 Enkel gästbok 1.0.pptx
+++ b/Presentationsmaterial/Dokument/1.2 Enkel gästbok 1.0.pptx
@@ -239,7 +239,7 @@
             <a:fld id="{0B3BAAB0-D539-4A20-AE97-450346457396}" type="datetimeFigureOut">
               <a:rPr lang="sv-SE" smtClean="0"/>
               <a:pPr/>
-              <a:t>2013-11-12</a:t>
+              <a:t>2013-11-16</a:t>
             </a:fld>
             <a:endParaRPr lang="sv-SE"/>
           </a:p>
@@ -4030,7 +4030,6 @@
               <a:rPr lang="sv-SE" dirty="0" smtClean="0"/>
               <a:t>.</a:t>
             </a:r>
-            <a:endParaRPr lang="sv-SE" dirty="0" smtClean="0"/>
           </a:p>
           <a:p>
             <a:r>
@@ -4695,7 +4694,7 @@
       </p:grpSpPr>
       <p:pic>
         <p:nvPicPr>
-          <p:cNvPr id="5122" name="Picture 2" descr="C:\Users\mats\AppData\Local\Temp\SNAGHTML71c68da4.PNG"/>
+          <p:cNvPr id="5122" name="Picture 2"/>
           <p:cNvPicPr>
             <a:picLocks noChangeAspect="1" noChangeArrowheads="1"/>
           </p:cNvPicPr>
@@ -5280,19 +5279,7 @@
             </a:r>
             <a:r>
               <a:rPr lang="sv-SE" dirty="0" smtClean="0"/>
-              <a:t>-element </a:t>
-            </a:r>
-            <a:r>
-              <a:rPr lang="sv-SE" dirty="0" smtClean="0"/>
-              <a:t>istället för </a:t>
-            </a:r>
-            <a:r>
-              <a:rPr lang="sv-SE" dirty="0" smtClean="0"/>
-              <a:t>i en </a:t>
-            </a:r>
-            <a:r>
-              <a:rPr lang="sv-SE" dirty="0" smtClean="0"/>
-              <a:t>tabell.</a:t>
+              <a:t>-element istället för i en tabell.</a:t>
             </a:r>
             <a:endParaRPr lang="sv-SE" dirty="0"/>
           </a:p>
@@ -5300,7 +5287,7 @@
       </p:sp>
       <p:pic>
         <p:nvPicPr>
-          <p:cNvPr id="7172" name="Picture 4" descr="C:\Users\mats\AppData\Local\Temp\SNAGHTML71d2af19.PNG"/>
+          <p:cNvPr id="7172" name="Picture 4"/>
           <p:cNvPicPr>
             <a:picLocks noChangeAspect="1" noChangeArrowheads="1"/>
           </p:cNvPicPr>
@@ -5437,7 +5424,7 @@
       </p:grpSpPr>
       <p:pic>
         <p:nvPicPr>
-          <p:cNvPr id="9218" name="Picture 2" descr="C:\Users\mats\AppData\Local\Temp\SNAGHTML53800faf.PNG"/>
+          <p:cNvPr id="9218" name="Picture 2"/>
           <p:cNvPicPr>
             <a:picLocks noChangeAspect="1" noChangeArrowheads="1"/>
           </p:cNvPicPr>
@@ -7875,7 +7862,7 @@
       </p:grpSpPr>
       <p:pic>
         <p:nvPicPr>
-          <p:cNvPr id="1026" name="Picture 2" descr="C:\Users\mats\AppData\Local\Temp\SNAGHTML2a4d8ec5.PNG"/>
+          <p:cNvPr id="1026" name="Picture 2"/>
           <p:cNvPicPr>
             <a:picLocks noChangeAspect="1" noChangeArrowheads="1"/>
           </p:cNvPicPr>
@@ -10064,7 +10051,7 @@
       </p:grpSpPr>
       <p:pic>
         <p:nvPicPr>
-          <p:cNvPr id="1026" name="Picture 2" descr="C:\Users\mats\AppData\Local\Temp\SNAGHTML4f5ce965.PNG"/>
+          <p:cNvPr id="1026" name="Picture 2"/>
           <p:cNvPicPr>
             <a:picLocks noChangeAspect="1" noChangeArrowheads="1"/>
           </p:cNvPicPr>
@@ -10315,7 +10302,7 @@
       </p:sp>
       <p:pic>
         <p:nvPicPr>
-          <p:cNvPr id="7173" name="Picture 5" descr="C:\Users\mats\AppData\Local\Temp\SNAGHTML2a7ddc2a.PNG"/>
+          <p:cNvPr id="7173" name="Picture 5"/>
           <p:cNvPicPr>
             <a:picLocks noChangeAspect="1" noChangeArrowheads="1"/>
           </p:cNvPicPr>
@@ -10502,7 +10489,7 @@
       </p:pic>
       <p:pic>
         <p:nvPicPr>
-          <p:cNvPr id="1026" name="Picture 2" descr="C:\Users\mats\AppData\Local\Temp\SNAGHTML717a8884.PNG"/>
+          <p:cNvPr id="1026" name="Picture 2"/>
           <p:cNvPicPr>
             <a:picLocks noChangeAspect="1" noChangeArrowheads="1"/>
           </p:cNvPicPr>
@@ -10625,7 +10612,7 @@
       </p:sp>
       <p:pic>
         <p:nvPicPr>
-          <p:cNvPr id="1030" name="Picture 6" descr="C:\Users\mats\AppData\Local\Temp\SNAGHTML717b59f6.PNG"/>
+          <p:cNvPr id="1030" name="Picture 6"/>
           <p:cNvPicPr>
             <a:picLocks noChangeAspect="1" noChangeArrowheads="1"/>
           </p:cNvPicPr>
@@ -10701,7 +10688,7 @@
       </p:grpSpPr>
       <p:pic>
         <p:nvPicPr>
-          <p:cNvPr id="2050" name="Picture 2" descr="C:\Users\mats\AppData\Local\Temp\SNAGHTML71813363.PNG"/>
+          <p:cNvPr id="2050" name="Picture 2"/>
           <p:cNvPicPr>
             <a:picLocks noChangeAspect="1" noChangeArrowheads="1"/>
           </p:cNvPicPr>
@@ -10796,7 +10783,7 @@
       </p:pic>
       <p:pic>
         <p:nvPicPr>
-          <p:cNvPr id="2053" name="Picture 5" descr="C:\Users\mats\AppData\Local\Temp\SNAGHTML71864f0d.PNG"/>
+          <p:cNvPr id="2053" name="Picture 5"/>
           <p:cNvPicPr>
             <a:picLocks noChangeAspect="1" noChangeArrowheads="1"/>
           </p:cNvPicPr>
@@ -10837,7 +10824,7 @@
       </p:pic>
       <p:pic>
         <p:nvPicPr>
-          <p:cNvPr id="2057" name="Picture 9" descr="C:\Users\mats\AppData\Local\Temp\SNAGHTML7189567d.PNG"/>
+          <p:cNvPr id="2057" name="Picture 9"/>
           <p:cNvPicPr>
             <a:picLocks noChangeAspect="1" noChangeArrowheads="1"/>
           </p:cNvPicPr>
@@ -10878,7 +10865,7 @@
       </p:pic>
       <p:pic>
         <p:nvPicPr>
-          <p:cNvPr id="2061" name="Picture 13" descr="C:\Users\mats\AppData\Local\Temp\SNAGHTML718de87f.PNG"/>
+          <p:cNvPr id="2061" name="Picture 13"/>
           <p:cNvPicPr>
             <a:picLocks noChangeAspect="1" noChangeArrowheads="1"/>
           </p:cNvPicPr>
@@ -12128,7 +12115,7 @@
       </p:pic>
       <p:pic>
         <p:nvPicPr>
-          <p:cNvPr id="1026" name="Picture 2" descr="C:\Users\mats\AppData\Local\Temp\SNAGHTML719e5239.PNG"/>
+          <p:cNvPr id="1026" name="Picture 2"/>
           <p:cNvPicPr>
             <a:picLocks noChangeAspect="1" noChangeArrowheads="1"/>
           </p:cNvPicPr>

--- a/Presentationsmaterial/Dokument/1.2 Enkel gästbok 1.0.pptx
+++ b/Presentationsmaterial/Dokument/1.2 Enkel gästbok 1.0.pptx
@@ -153,6 +153,22 @@
       </a:defRPr>
     </a:lvl9pPr>
   </p:defaultTextStyle>
+  <p:extLst>
+    <p:ext uri="{EFAFB233-063F-42B5-8137-9DF3F51BA10A}">
+      <p15:sldGuideLst xmlns:p15="http://schemas.microsoft.com/office/powerpoint/2012/main">
+        <p15:guide id="1" orient="horz">
+          <p15:clr>
+            <a:srgbClr val="A4A3A4"/>
+          </p15:clr>
+        </p15:guide>
+        <p15:guide id="2">
+          <p15:clr>
+            <a:srgbClr val="A4A3A4"/>
+          </p15:clr>
+        </p15:guide>
+      </p15:sldGuideLst>
+    </p:ext>
+  </p:extLst>
 </p:presentation>
 </file>
 
@@ -239,7 +255,7 @@
             <a:fld id="{0B3BAAB0-D539-4A20-AE97-450346457396}" type="datetimeFigureOut">
               <a:rPr lang="sv-SE" smtClean="0"/>
               <a:pPr/>
-              <a:t>2013-11-16</a:t>
+              <a:t>2014-11-03</a:t>
             </a:fld>
             <a:endParaRPr lang="sv-SE"/>
           </a:p>
@@ -3147,91 +3163,6 @@
               <a:rPr lang="sv-SE" dirty="0" smtClean="0"/>
               <a:t>Nivå fem</a:t>
             </a:r>
-          </a:p>
-        </p:txBody>
-      </p:sp>
-      <p:sp>
-        <p:nvSpPr>
-          <p:cNvPr id="243716" name="Rectangle 4"/>
-          <p:cNvSpPr>
-            <a:spLocks noChangeArrowheads="1"/>
-          </p:cNvSpPr>
-          <p:nvPr/>
-        </p:nvSpPr>
-        <p:spPr bwMode="auto">
-          <a:xfrm>
-            <a:off x="7619560" y="5512764"/>
-            <a:ext cx="1524440" cy="202236"/>
-          </a:xfrm>
-          <a:prstGeom prst="rect">
-            <a:avLst/>
-          </a:prstGeom>
-          <a:noFill/>
-          <a:ln w="9525">
-            <a:noFill/>
-            <a:miter lim="800000"/>
-            <a:headEnd/>
-            <a:tailEnd/>
-          </a:ln>
-          <a:effectLst/>
-        </p:spPr>
-        <p:txBody>
-          <a:bodyPr wrap="square" tIns="46800" rIns="90000" bIns="46800" anchor="b">
-            <a:spAutoFit/>
-          </a:bodyPr>
-          <a:lstStyle/>
-          <a:p>
-            <a:pPr algn="r" eaLnBrk="0" hangingPunct="0">
-              <a:defRPr/>
-            </a:pPr>
-            <a:fld id="{379C2104-876B-42DE-A891-A8777FA058E8}" type="slidenum">
-              <a:rPr lang="en-US" sz="700">
-                <a:solidFill>
-                  <a:schemeClr val="bg1">
-                    <a:lumMod val="75000"/>
-                  </a:schemeClr>
-                </a:solidFill>
-                <a:latin typeface="Times New Roman" pitchFamily="18" charset="0"/>
-                <a:cs typeface="Times New Roman" pitchFamily="18" charset="0"/>
-              </a:rPr>
-              <a:pPr algn="r" eaLnBrk="0" hangingPunct="0">
-                <a:defRPr/>
-              </a:pPr>
-              <a:t>‹#›</a:t>
-            </a:fld>
-            <a:r>
-              <a:rPr lang="en-US" sz="700" dirty="0">
-                <a:solidFill>
-                  <a:schemeClr val="bg1">
-                    <a:lumMod val="75000"/>
-                  </a:schemeClr>
-                </a:solidFill>
-                <a:latin typeface="Times New Roman" pitchFamily="18" charset="0"/>
-                <a:cs typeface="Times New Roman" pitchFamily="18" charset="0"/>
-              </a:rPr>
-              <a:t> </a:t>
-            </a:r>
-            <a:r>
-              <a:rPr lang="en-US" sz="700" dirty="0" smtClean="0">
-                <a:solidFill>
-                  <a:schemeClr val="bg1">
-                    <a:lumMod val="75000"/>
-                  </a:schemeClr>
-                </a:solidFill>
-                <a:latin typeface="Times New Roman" pitchFamily="18" charset="0"/>
-                <a:cs typeface="Times New Roman" pitchFamily="18" charset="0"/>
-              </a:rPr>
-              <a:t>(17)</a:t>
-            </a:r>
-            <a:endParaRPr lang="en-US" sz="700" dirty="0">
-              <a:solidFill>
-                <a:schemeClr val="bg1">
-                  <a:lumMod val="75000"/>
-                </a:schemeClr>
-              </a:solidFill>
-              <a:latin typeface="Times New Roman" pitchFamily="18" charset="0"/>
-              <a:cs typeface="Times New Roman" pitchFamily="18" charset="0"/>
-            </a:endParaRPr>
           </a:p>
         </p:txBody>
       </p:sp>
@@ -3873,60 +3804,6 @@
           <a:chExt cx="0" cy="0"/>
         </a:xfrm>
       </p:grpSpPr>
-      <p:pic>
-        <p:nvPicPr>
-          <p:cNvPr id="2050" name="Picture 2"/>
-          <p:cNvPicPr>
-            <a:picLocks noChangeAspect="1" noChangeArrowheads="1"/>
-          </p:cNvPicPr>
-          <p:nvPr/>
-        </p:nvPicPr>
-        <p:blipFill>
-          <a:blip r:embed="rId2">
-            <a:extLst>
-              <a:ext uri="{28A0092B-C50C-407E-A947-70E740481C1C}">
-                <a14:useLocalDpi xmlns:a14="http://schemas.microsoft.com/office/drawing/2010/main" val="0"/>
-              </a:ext>
-            </a:extLst>
-          </a:blip>
-          <a:srcRect/>
-          <a:stretch>
-            <a:fillRect/>
-          </a:stretch>
-        </p:blipFill>
-        <p:spPr bwMode="auto">
-          <a:xfrm>
-            <a:off x="2105333" y="2993623"/>
-            <a:ext cx="4120000" cy="2493334"/>
-          </a:xfrm>
-          <a:prstGeom prst="rect">
-            <a:avLst/>
-          </a:prstGeom>
-          <a:noFill/>
-          <a:ln>
-            <a:noFill/>
-          </a:ln>
-          <a:extLst>
-            <a:ext uri="{909E8E84-426E-40DD-AFC4-6F175D3DCCD1}">
-              <a14:hiddenFill xmlns:a14="http://schemas.microsoft.com/office/drawing/2010/main">
-                <a:solidFill>
-                  <a:schemeClr val="accent1"/>
-                </a:solidFill>
-              </a14:hiddenFill>
-            </a:ext>
-            <a:ext uri="{91240B29-F687-4F45-9708-019B960494DF}">
-              <a14:hiddenLine xmlns:a14="http://schemas.microsoft.com/office/drawing/2010/main" w="9525">
-                <a:solidFill>
-                  <a:schemeClr val="tx1"/>
-                </a:solidFill>
-                <a:miter lim="800000"/>
-                <a:headEnd/>
-                <a:tailEnd/>
-              </a14:hiddenLine>
-            </a:ext>
-          </a:extLst>
-        </p:spPr>
-      </p:pic>
       <p:sp>
         <p:nvSpPr>
           <p:cNvPr id="2" name="Rubrik 1"/>
@@ -4055,6 +3932,62 @@
           </a:p>
         </p:txBody>
       </p:sp>
+      <p:pic>
+        <p:nvPicPr>
+          <p:cNvPr id="5" name="Bildobjekt 4"/>
+          <p:cNvPicPr>
+            <a:picLocks noChangeAspect="1"/>
+          </p:cNvPicPr>
+          <p:nvPr/>
+        </p:nvPicPr>
+        <p:blipFill>
+          <a:blip r:embed="rId2"/>
+          <a:stretch>
+            <a:fillRect/>
+          </a:stretch>
+        </p:blipFill>
+        <p:spPr>
+          <a:xfrm rot="290311">
+            <a:off x="3006242" y="2457728"/>
+            <a:ext cx="5475440" cy="3670932"/>
+          </a:xfrm>
+          <a:prstGeom prst="rect">
+            <a:avLst/>
+          </a:prstGeom>
+          <a:solidFill>
+            <a:srgbClr val="FFFFFF">
+              <a:shade val="85000"/>
+            </a:srgbClr>
+          </a:solidFill>
+          <a:ln w="101600" cap="sq">
+            <a:solidFill>
+              <a:srgbClr val="FDFDFD"/>
+            </a:solidFill>
+            <a:miter lim="800000"/>
+          </a:ln>
+          <a:effectLst>
+            <a:outerShdw blurRad="57150" dist="37500" dir="7560000" sy="98000" kx="110000" ky="200000" algn="tl" rotWithShape="0">
+              <a:srgbClr val="000000">
+                <a:alpha val="20000"/>
+              </a:srgbClr>
+            </a:outerShdw>
+          </a:effectLst>
+          <a:scene3d>
+            <a:camera prst="perspectiveRelaxed">
+              <a:rot lat="18960000" lon="0" rev="0"/>
+            </a:camera>
+            <a:lightRig rig="twoPt" dir="t">
+              <a:rot lat="0" lon="0" rev="7200000"/>
+            </a:lightRig>
+          </a:scene3d>
+          <a:sp3d prstMaterial="matte">
+            <a:bevelT w="22860" h="12700"/>
+            <a:contourClr>
+              <a:srgbClr val="FFFFFF"/>
+            </a:contourClr>
+          </a:sp3d>
+        </p:spPr>
+      </p:pic>
     </p:spTree>
   </p:cSld>
   <p:clrMapOvr>
@@ -4092,7 +4025,7 @@
       </p:grpSpPr>
       <p:pic>
         <p:nvPicPr>
-          <p:cNvPr id="3074" name="Picture 2"/>
+          <p:cNvPr id="2050" name="Picture 2" descr="C:\Users\mats\AppData\Local\Temp\SNAGHTML23010368.PNG"/>
           <p:cNvPicPr>
             <a:picLocks noChangeAspect="1" noChangeArrowheads="1"/>
           </p:cNvPicPr>
@@ -4113,94 +4046,51 @@
         </p:blipFill>
         <p:spPr bwMode="auto">
           <a:xfrm>
-            <a:off x="406426" y="1705976"/>
-            <a:ext cx="2931429" cy="1200000"/>
+            <a:off x="375259" y="1694547"/>
+            <a:ext cx="3114286" cy="1222857"/>
           </a:xfrm>
           <a:prstGeom prst="rect">
             <a:avLst/>
           </a:prstGeom>
           <a:noFill/>
-          <a:ln>
-            <a:noFill/>
-          </a:ln>
           <a:extLst>
             <a:ext uri="{909E8E84-426E-40DD-AFC4-6F175D3DCCD1}">
               <a14:hiddenFill xmlns:a14="http://schemas.microsoft.com/office/drawing/2010/main">
                 <a:solidFill>
-                  <a:schemeClr val="accent1"/>
+                  <a:srgbClr val="FFFFFF"/>
                 </a:solidFill>
               </a14:hiddenFill>
-            </a:ext>
-            <a:ext uri="{91240B29-F687-4F45-9708-019B960494DF}">
-              <a14:hiddenLine xmlns:a14="http://schemas.microsoft.com/office/drawing/2010/main" w="9525">
-                <a:solidFill>
-                  <a:schemeClr val="tx1"/>
-                </a:solidFill>
-                <a:miter lim="800000"/>
-                <a:headEnd/>
-                <a:tailEnd/>
-              </a14:hiddenLine>
             </a:ext>
           </a:extLst>
         </p:spPr>
       </p:pic>
       <p:pic>
         <p:nvPicPr>
-          <p:cNvPr id="3075" name="Picture 3"/>
+          <p:cNvPr id="4" name="Bildobjekt 3"/>
           <p:cNvPicPr>
-            <a:picLocks noChangeAspect="1" noChangeArrowheads="1"/>
+            <a:picLocks noChangeAspect="1"/>
           </p:cNvPicPr>
           <p:nvPr/>
         </p:nvPicPr>
         <p:blipFill>
-          <a:blip r:embed="rId3">
-            <a:extLst>
-              <a:ext uri="{28A0092B-C50C-407E-A947-70E740481C1C}">
-                <a14:useLocalDpi xmlns:a14="http://schemas.microsoft.com/office/drawing/2010/main" val="0"/>
-              </a:ext>
-            </a:extLst>
-          </a:blip>
-          <a:srcRect/>
+          <a:blip r:embed="rId3"/>
           <a:stretch>
             <a:fillRect/>
           </a:stretch>
         </p:blipFill>
-        <p:spPr bwMode="auto">
+        <p:spPr>
           <a:xfrm>
-            <a:off x="1830629" y="2732875"/>
-            <a:ext cx="2920000" cy="2880000"/>
+            <a:off x="1322057" y="2748674"/>
+            <a:ext cx="3428572" cy="2091428"/>
           </a:xfrm>
           <a:prstGeom prst="rect">
             <a:avLst/>
           </a:prstGeom>
-          <a:noFill/>
-          <a:ln>
-            <a:noFill/>
-          </a:ln>
-          <a:extLst>
-            <a:ext uri="{909E8E84-426E-40DD-AFC4-6F175D3DCCD1}">
-              <a14:hiddenFill xmlns:a14="http://schemas.microsoft.com/office/drawing/2010/main">
-                <a:solidFill>
-                  <a:schemeClr val="accent1"/>
-                </a:solidFill>
-              </a14:hiddenFill>
-            </a:ext>
-            <a:ext uri="{91240B29-F687-4F45-9708-019B960494DF}">
-              <a14:hiddenLine xmlns:a14="http://schemas.microsoft.com/office/drawing/2010/main" w="9525">
-                <a:solidFill>
-                  <a:schemeClr val="tx1"/>
-                </a:solidFill>
-                <a:miter lim="800000"/>
-                <a:headEnd/>
-                <a:tailEnd/>
-              </a14:hiddenLine>
-            </a:ext>
-          </a:extLst>
         </p:spPr>
       </p:pic>
       <p:pic>
         <p:nvPicPr>
-          <p:cNvPr id="3076" name="Picture 4"/>
+          <p:cNvPr id="2052" name="Picture 4" descr="C:\Users\mats\AppData\Local\Temp\SNAGHTML230dbd19.PNG"/>
           <p:cNvPicPr>
             <a:picLocks noChangeAspect="1" noChangeArrowheads="1"/>
           </p:cNvPicPr>
@@ -4220,9 +4110,9 @@
           </a:stretch>
         </p:blipFill>
         <p:spPr bwMode="auto">
-          <a:xfrm rot="285337">
-            <a:off x="4921971" y="1660818"/>
-            <a:ext cx="3805715" cy="4291429"/>
+          <a:xfrm rot="322364">
+            <a:off x="4908992" y="1677961"/>
+            <a:ext cx="4760000" cy="4257143"/>
           </a:xfrm>
           <a:prstGeom prst="rect">
             <a:avLst/>
@@ -4235,19 +4125,9 @@
             <a:ext uri="{909E8E84-426E-40DD-AFC4-6F175D3DCCD1}">
               <a14:hiddenFill xmlns:a14="http://schemas.microsoft.com/office/drawing/2010/main">
                 <a:solidFill>
-                  <a:schemeClr val="accent1"/>
+                  <a:srgbClr val="FFFFFF"/>
                 </a:solidFill>
               </a14:hiddenFill>
-            </a:ext>
-            <a:ext uri="{91240B29-F687-4F45-9708-019B960494DF}">
-              <a14:hiddenLine xmlns:a14="http://schemas.microsoft.com/office/drawing/2010/main" w="9525">
-                <a:solidFill>
-                  <a:schemeClr val="tx1"/>
-                </a:solidFill>
-                <a:miter lim="800000"/>
-                <a:headEnd/>
-                <a:tailEnd/>
-              </a14:hiddenLine>
             </a:ext>
           </a:extLst>
         </p:spPr>
@@ -4563,8 +4443,8 @@
         </p:nvSpPr>
         <p:spPr bwMode="auto">
           <a:xfrm rot="21120000">
-            <a:off x="651713" y="3749833"/>
-            <a:ext cx="1091133" cy="561517"/>
+            <a:off x="46761" y="3294254"/>
+            <a:ext cx="1241032" cy="561517"/>
           </a:xfrm>
           <a:prstGeom prst="rightArrowCallout">
             <a:avLst>
@@ -4611,7 +4491,31 @@
                 <a:latin typeface="Times New Roman" pitchFamily="18" charset="0"/>
                 <a:cs typeface="Times New Roman" pitchFamily="18" charset="0"/>
               </a:rPr>
-              <a:t>För att klasser ska visas måste projektet ha kompilerats.</a:t>
+              <a:t>För att </a:t>
+            </a:r>
+            <a:r>
+              <a:rPr lang="sv-SE" sz="800" dirty="0" smtClean="0">
+                <a:solidFill>
+                  <a:schemeClr val="bg1">
+                    <a:lumMod val="65000"/>
+                  </a:schemeClr>
+                </a:solidFill>
+                <a:latin typeface="Times New Roman" pitchFamily="18" charset="0"/>
+                <a:cs typeface="Times New Roman" pitchFamily="18" charset="0"/>
+              </a:rPr>
+              <a:t>modellklasser </a:t>
+            </a:r>
+            <a:r>
+              <a:rPr lang="sv-SE" sz="800" dirty="0" smtClean="0">
+                <a:solidFill>
+                  <a:schemeClr val="bg1">
+                    <a:lumMod val="65000"/>
+                  </a:schemeClr>
+                </a:solidFill>
+                <a:latin typeface="Times New Roman" pitchFamily="18" charset="0"/>
+                <a:cs typeface="Times New Roman" pitchFamily="18" charset="0"/>
+              </a:rPr>
+              <a:t>ska visas måste projektet ha kompilerats.</a:t>
             </a:r>
           </a:p>
         </p:txBody>
@@ -4694,7 +4598,7 @@
       </p:grpSpPr>
       <p:pic>
         <p:nvPicPr>
-          <p:cNvPr id="5122" name="Picture 2"/>
+          <p:cNvPr id="3074" name="Picture 2" descr="C:\Users\mats\AppData\Local\Temp\SNAGHTML2312bfb1.PNG"/>
           <p:cNvPicPr>
             <a:picLocks noChangeAspect="1" noChangeArrowheads="1"/>
           </p:cNvPicPr>
@@ -4716,7 +4620,7 @@
         <p:spPr bwMode="auto">
           <a:xfrm>
             <a:off x="882632" y="1603449"/>
-            <a:ext cx="3537143" cy="3228572"/>
+            <a:ext cx="3548572" cy="3085714"/>
           </a:xfrm>
           <a:prstGeom prst="rect">
             <a:avLst/>
@@ -4735,143 +4639,31 @@
       </p:pic>
       <p:pic>
         <p:nvPicPr>
-          <p:cNvPr id="5123" name="Picture 3"/>
+          <p:cNvPr id="4" name="Bildobjekt 3"/>
           <p:cNvPicPr>
-            <a:picLocks noChangeAspect="1" noChangeArrowheads="1"/>
+            <a:picLocks noChangeAspect="1"/>
           </p:cNvPicPr>
           <p:nvPr/>
         </p:nvPicPr>
         <p:blipFill>
-          <a:blip r:embed="rId3">
-            <a:extLst>
-              <a:ext uri="{28A0092B-C50C-407E-A947-70E740481C1C}">
-                <a14:useLocalDpi xmlns:a14="http://schemas.microsoft.com/office/drawing/2010/main" val="0"/>
-              </a:ext>
-            </a:extLst>
-          </a:blip>
-          <a:srcRect/>
+          <a:blip r:embed="rId3"/>
           <a:stretch>
             <a:fillRect/>
           </a:stretch>
         </p:blipFill>
-        <p:spPr bwMode="auto">
+        <p:spPr>
           <a:xfrm>
-            <a:off x="2885879" y="2246289"/>
-            <a:ext cx="2920000" cy="2880000"/>
+            <a:off x="2885879" y="2328408"/>
+            <a:ext cx="3428572" cy="2091428"/>
           </a:xfrm>
           <a:prstGeom prst="rect">
             <a:avLst/>
           </a:prstGeom>
-          <a:noFill/>
-          <a:ln>
-            <a:noFill/>
-          </a:ln>
-          <a:extLst>
-            <a:ext uri="{909E8E84-426E-40DD-AFC4-6F175D3DCCD1}">
-              <a14:hiddenFill xmlns:a14="http://schemas.microsoft.com/office/drawing/2010/main">
-                <a:solidFill>
-                  <a:schemeClr val="accent1"/>
-                </a:solidFill>
-              </a14:hiddenFill>
-            </a:ext>
-            <a:ext uri="{91240B29-F687-4F45-9708-019B960494DF}">
-              <a14:hiddenLine xmlns:a14="http://schemas.microsoft.com/office/drawing/2010/main" w="9525">
-                <a:solidFill>
-                  <a:schemeClr val="tx1"/>
-                </a:solidFill>
-                <a:miter lim="800000"/>
-                <a:headEnd/>
-                <a:tailEnd/>
-              </a14:hiddenLine>
-            </a:ext>
-          </a:extLst>
         </p:spPr>
       </p:pic>
-      <p:sp>
-        <p:nvSpPr>
-          <p:cNvPr id="2" name="Rubrik 1"/>
-          <p:cNvSpPr>
-            <a:spLocks noGrp="1"/>
-          </p:cNvSpPr>
-          <p:nvPr>
-            <p:ph type="title"/>
-          </p:nvPr>
-        </p:nvSpPr>
-        <p:spPr/>
-        <p:txBody>
-          <a:bodyPr/>
-          <a:lstStyle/>
-          <a:p>
-            <a:r>
-              <a:rPr lang="sv-SE" dirty="0" smtClean="0"/>
-              <a:t>Formulär för att skriva ett meddelande</a:t>
-            </a:r>
-            <a:endParaRPr lang="sv-SE" dirty="0"/>
-          </a:p>
-        </p:txBody>
-      </p:sp>
-      <p:sp>
-        <p:nvSpPr>
-          <p:cNvPr id="3" name="Platshållare för innehåll 2"/>
-          <p:cNvSpPr>
-            <a:spLocks noGrp="1"/>
-          </p:cNvSpPr>
-          <p:nvPr>
-            <p:ph idx="1"/>
-          </p:nvPr>
-        </p:nvSpPr>
-        <p:spPr/>
-        <p:txBody>
-          <a:bodyPr/>
-          <a:lstStyle/>
-          <a:p>
-            <a:r>
-              <a:rPr lang="sv-SE" dirty="0" smtClean="0"/>
-              <a:t>Metoden </a:t>
-            </a:r>
-            <a:r>
-              <a:rPr lang="sv-SE" sz="1600" dirty="0" err="1" smtClean="0">
-                <a:latin typeface="Courier New" pitchFamily="49" charset="0"/>
-                <a:cs typeface="Courier New" pitchFamily="49" charset="0"/>
-              </a:rPr>
-              <a:t>Create</a:t>
-            </a:r>
-            <a:r>
-              <a:rPr lang="sv-SE" dirty="0" smtClean="0"/>
-              <a:t> skrivs i klassen </a:t>
-            </a:r>
-            <a:r>
-              <a:rPr lang="sv-SE" sz="1600" dirty="0" err="1" smtClean="0">
-                <a:latin typeface="Courier New" pitchFamily="49" charset="0"/>
-                <a:cs typeface="Courier New" pitchFamily="49" charset="0"/>
-              </a:rPr>
-              <a:t>GeekGuestbookController</a:t>
-            </a:r>
-            <a:r>
-              <a:rPr lang="sv-SE" dirty="0" smtClean="0"/>
-              <a:t>.</a:t>
-            </a:r>
-          </a:p>
-          <a:p>
-            <a:r>
-              <a:rPr lang="sv-SE" dirty="0" smtClean="0"/>
-              <a:t>En starkt typad vy, med namnet </a:t>
-            </a:r>
-            <a:r>
-              <a:rPr lang="sv-SE" dirty="0" err="1" smtClean="0"/>
-              <a:t>Create</a:t>
-            </a:r>
-            <a:r>
-              <a:rPr lang="sv-SE" dirty="0" smtClean="0"/>
-              <a:t>, skapas.</a:t>
-            </a:r>
-            <a:endParaRPr lang="sv-SE" dirty="0"/>
-          </a:p>
-        </p:txBody>
-      </p:sp>
       <p:pic>
         <p:nvPicPr>
-          <p:cNvPr id="5124" name="Picture 4"/>
+          <p:cNvPr id="3076" name="Picture 4" descr="C:\Users\mats\AppData\Local\Temp\SNAGHTML23199f75.PNG"/>
           <p:cNvPicPr>
             <a:picLocks noChangeAspect="1" noChangeArrowheads="1"/>
           </p:cNvPicPr>
@@ -4892,37 +4684,106 @@
         </p:blipFill>
         <p:spPr bwMode="auto">
           <a:xfrm>
-            <a:off x="5222430" y="2452142"/>
-            <a:ext cx="3080000" cy="3262858"/>
+            <a:off x="4946340" y="2069286"/>
+            <a:ext cx="5108572" cy="3645714"/>
           </a:xfrm>
           <a:prstGeom prst="rect">
             <a:avLst/>
           </a:prstGeom>
           <a:noFill/>
-          <a:ln>
-            <a:noFill/>
-          </a:ln>
           <a:extLst>
             <a:ext uri="{909E8E84-426E-40DD-AFC4-6F175D3DCCD1}">
               <a14:hiddenFill xmlns:a14="http://schemas.microsoft.com/office/drawing/2010/main">
                 <a:solidFill>
-                  <a:schemeClr val="accent1"/>
+                  <a:srgbClr val="FFFFFF"/>
                 </a:solidFill>
               </a14:hiddenFill>
-            </a:ext>
-            <a:ext uri="{91240B29-F687-4F45-9708-019B960494DF}">
-              <a14:hiddenLine xmlns:a14="http://schemas.microsoft.com/office/drawing/2010/main" w="9525">
-                <a:solidFill>
-                  <a:schemeClr val="tx1"/>
-                </a:solidFill>
-                <a:miter lim="800000"/>
-                <a:headEnd/>
-                <a:tailEnd/>
-              </a14:hiddenLine>
             </a:ext>
           </a:extLst>
         </p:spPr>
       </p:pic>
+      <p:sp>
+        <p:nvSpPr>
+          <p:cNvPr id="2" name="Rubrik 1"/>
+          <p:cNvSpPr>
+            <a:spLocks noGrp="1"/>
+          </p:cNvSpPr>
+          <p:nvPr>
+            <p:ph type="title"/>
+          </p:nvPr>
+        </p:nvSpPr>
+        <p:spPr/>
+        <p:txBody>
+          <a:bodyPr/>
+          <a:lstStyle/>
+          <a:p>
+            <a:r>
+              <a:rPr lang="sv-SE" dirty="0" smtClean="0"/>
+              <a:t>Formulär för att skriva ett meddelande</a:t>
+            </a:r>
+            <a:endParaRPr lang="sv-SE" dirty="0"/>
+          </a:p>
+        </p:txBody>
+      </p:sp>
+      <p:sp>
+        <p:nvSpPr>
+          <p:cNvPr id="3" name="Platshållare för innehåll 2"/>
+          <p:cNvSpPr>
+            <a:spLocks noGrp="1"/>
+          </p:cNvSpPr>
+          <p:nvPr>
+            <p:ph idx="1"/>
+          </p:nvPr>
+        </p:nvSpPr>
+        <p:spPr/>
+        <p:txBody>
+          <a:bodyPr/>
+          <a:lstStyle/>
+          <a:p>
+            <a:r>
+              <a:rPr lang="sv-SE" dirty="0" smtClean="0"/>
+              <a:t>Metoden </a:t>
+            </a:r>
+            <a:r>
+              <a:rPr lang="sv-SE" sz="1600" dirty="0" err="1" smtClean="0">
+                <a:latin typeface="Courier New" pitchFamily="49" charset="0"/>
+                <a:cs typeface="Courier New" pitchFamily="49" charset="0"/>
+              </a:rPr>
+              <a:t>Create</a:t>
+            </a:r>
+            <a:r>
+              <a:rPr lang="sv-SE" dirty="0" smtClean="0"/>
+              <a:t> skrivs i klassen </a:t>
+            </a:r>
+            <a:r>
+              <a:rPr lang="sv-SE" sz="1600" dirty="0" err="1" smtClean="0">
+                <a:latin typeface="Courier New" pitchFamily="49" charset="0"/>
+                <a:cs typeface="Courier New" pitchFamily="49" charset="0"/>
+              </a:rPr>
+              <a:t>GeekGuestbookController</a:t>
+            </a:r>
+            <a:r>
+              <a:rPr lang="sv-SE" dirty="0" smtClean="0"/>
+              <a:t>.</a:t>
+            </a:r>
+          </a:p>
+          <a:p>
+            <a:r>
+              <a:rPr lang="sv-SE" dirty="0" smtClean="0"/>
+              <a:t>En starkt typad vy, med namnet </a:t>
+            </a:r>
+            <a:r>
+              <a:rPr lang="sv-SE" dirty="0" err="1" smtClean="0"/>
+              <a:t>Create</a:t>
+            </a:r>
+            <a:r>
+              <a:rPr lang="sv-SE" dirty="0" smtClean="0"/>
+              <a:t>, skapas.</a:t>
+            </a:r>
+            <a:endParaRPr lang="sv-SE" dirty="0"/>
+          </a:p>
+        </p:txBody>
+      </p:sp>
     </p:spTree>
   </p:cSld>
   <p:clrMapOvr>
@@ -4960,14 +4821,15 @@
       </p:grpSpPr>
       <p:pic>
         <p:nvPicPr>
-          <p:cNvPr id="6148" name="Picture 4"/>
+          <p:cNvPr id="5" name="Bildobjekt 4"/>
           <p:cNvPicPr>
-            <a:picLocks noChangeAspect="1" noChangeArrowheads="1"/>
+            <a:picLocks noChangeAspect="1"/>
           </p:cNvPicPr>
           <p:nvPr/>
         </p:nvPicPr>
         <p:blipFill>
           <a:blip r:embed="rId2">
+            <a:lum/>
             <a:duotone>
               <a:schemeClr val="bg2">
                 <a:shade val="45000"/>
@@ -4975,22 +4837,15 @@
               </a:schemeClr>
               <a:prstClr val="white"/>
             </a:duotone>
-            <a:lum/>
-            <a:extLst>
-              <a:ext uri="{28A0092B-C50C-407E-A947-70E740481C1C}">
-                <a14:useLocalDpi xmlns:a14="http://schemas.microsoft.com/office/drawing/2010/main" val="0"/>
-              </a:ext>
-            </a:extLst>
           </a:blip>
-          <a:srcRect/>
           <a:stretch>
             <a:fillRect/>
           </a:stretch>
         </p:blipFill>
-        <p:spPr bwMode="auto">
-          <a:xfrm rot="1126855">
-            <a:off x="4519205" y="973183"/>
-            <a:ext cx="5905500" cy="6296025"/>
+        <p:spPr>
+          <a:xfrm rot="1140000">
+            <a:off x="4454259" y="767922"/>
+            <a:ext cx="5904762" cy="7095238"/>
           </a:xfrm>
           <a:prstGeom prst="roundRect">
             <a:avLst>
@@ -5013,79 +4868,6 @@
               <a:srgbClr val="969696"/>
             </a:contourClr>
           </a:sp3d>
-          <a:extLst>
-            <a:ext uri="{909E8E84-426E-40DD-AFC4-6F175D3DCCD1}">
-              <a14:hiddenFill xmlns:a14="http://schemas.microsoft.com/office/drawing/2010/main">
-                <a:solidFill>
-                  <a:schemeClr val="accent1"/>
-                </a:solidFill>
-              </a14:hiddenFill>
-            </a:ext>
-            <a:ext uri="{91240B29-F687-4F45-9708-019B960494DF}">
-              <a14:hiddenLine xmlns:a14="http://schemas.microsoft.com/office/drawing/2010/main" w="9525">
-                <a:solidFill>
-                  <a:schemeClr val="tx1"/>
-                </a:solidFill>
-                <a:miter lim="800000"/>
-                <a:headEnd/>
-                <a:tailEnd/>
-              </a14:hiddenLine>
-            </a:ext>
-          </a:extLst>
-        </p:spPr>
-      </p:pic>
-      <p:pic>
-        <p:nvPicPr>
-          <p:cNvPr id="6149" name="Picture 5"/>
-          <p:cNvPicPr>
-            <a:picLocks noChangeAspect="1" noChangeArrowheads="1"/>
-          </p:cNvPicPr>
-          <p:nvPr/>
-        </p:nvPicPr>
-        <p:blipFill>
-          <a:blip r:embed="rId3">
-            <a:extLst>
-              <a:ext uri="{28A0092B-C50C-407E-A947-70E740481C1C}">
-                <a14:useLocalDpi xmlns:a14="http://schemas.microsoft.com/office/drawing/2010/main" val="0"/>
-              </a:ext>
-            </a:extLst>
-          </a:blip>
-          <a:srcRect/>
-          <a:stretch>
-            <a:fillRect/>
-          </a:stretch>
-        </p:blipFill>
-        <p:spPr bwMode="auto">
-          <a:xfrm>
-            <a:off x="946150" y="2886075"/>
-            <a:ext cx="3162300" cy="2143125"/>
-          </a:xfrm>
-          <a:prstGeom prst="rect">
-            <a:avLst/>
-          </a:prstGeom>
-          <a:noFill/>
-          <a:ln>
-            <a:noFill/>
-          </a:ln>
-          <a:extLst>
-            <a:ext uri="{909E8E84-426E-40DD-AFC4-6F175D3DCCD1}">
-              <a14:hiddenFill xmlns:a14="http://schemas.microsoft.com/office/drawing/2010/main">
-                <a:solidFill>
-                  <a:schemeClr val="accent1"/>
-                </a:solidFill>
-              </a14:hiddenFill>
-            </a:ext>
-            <a:ext uri="{91240B29-F687-4F45-9708-019B960494DF}">
-              <a14:hiddenLine xmlns:a14="http://schemas.microsoft.com/office/drawing/2010/main" w="9525">
-                <a:solidFill>
-                  <a:schemeClr val="tx1"/>
-                </a:solidFill>
-                <a:miter lim="800000"/>
-                <a:headEnd/>
-                <a:tailEnd/>
-              </a14:hiddenLine>
-            </a:ext>
-          </a:extLst>
         </p:spPr>
       </p:pic>
       <p:sp>
@@ -5196,6 +4978,30 @@
           </a:p>
         </p:txBody>
       </p:sp>
+      <p:pic>
+        <p:nvPicPr>
+          <p:cNvPr id="4" name="Bildobjekt 3"/>
+          <p:cNvPicPr>
+            <a:picLocks noChangeAspect="1"/>
+          </p:cNvPicPr>
+          <p:nvPr/>
+        </p:nvPicPr>
+        <p:blipFill>
+          <a:blip r:embed="rId3"/>
+          <a:stretch>
+            <a:fillRect/>
+          </a:stretch>
+        </p:blipFill>
+        <p:spPr>
+          <a:xfrm>
+            <a:off x="1017776" y="2886075"/>
+            <a:ext cx="3019048" cy="1942857"/>
+          </a:xfrm>
+          <a:prstGeom prst="rect">
+            <a:avLst/>
+          </a:prstGeom>
+        </p:spPr>
+      </p:pic>
     </p:spTree>
   </p:cSld>
   <p:clrMapOvr>
@@ -5424,14 +5230,14 @@
       </p:grpSpPr>
       <p:pic>
         <p:nvPicPr>
-          <p:cNvPr id="9218" name="Picture 2"/>
+          <p:cNvPr id="4098" name="Picture 2" descr="C:\Users\mats\AppData\Local\Temp\SNAGHTML233e5180.PNG"/>
           <p:cNvPicPr>
             <a:picLocks noChangeAspect="1" noChangeArrowheads="1"/>
           </p:cNvPicPr>
           <p:nvPr/>
         </p:nvPicPr>
         <p:blipFill>
-          <a:blip r:embed="rId2">
+          <a:blip r:embed="rId2" cstate="print">
             <a:extLst>
               <a:ext uri="{28A0092B-C50C-407E-A947-70E740481C1C}">
                 <a14:useLocalDpi xmlns:a14="http://schemas.microsoft.com/office/drawing/2010/main" val="0"/>
@@ -5445,8 +5251,8 @@
         </p:blipFill>
         <p:spPr bwMode="auto">
           <a:xfrm>
-            <a:off x="911203" y="1277188"/>
-            <a:ext cx="3347471" cy="4233994"/>
+            <a:off x="911203" y="1249423"/>
+            <a:ext cx="4110476" cy="4289524"/>
           </a:xfrm>
           <a:prstGeom prst="rect">
             <a:avLst/>
@@ -5525,7 +5331,7 @@
         </p:nvSpPr>
         <p:spPr bwMode="auto">
           <a:xfrm rot="318203">
-            <a:off x="2864999" y="2071033"/>
+            <a:off x="3177420" y="1938408"/>
             <a:ext cx="1203183" cy="741422"/>
           </a:xfrm>
           <a:prstGeom prst="downArrowCallout">
@@ -10138,16 +9944,17 @@
               <a:t>Skapa databasen </a:t>
             </a:r>
             <a:r>
-              <a:rPr lang="sv-SE" sz="1600" dirty="0" smtClean="0">
+              <a:rPr lang="sv-SE" sz="1600" dirty="0" err="1" smtClean="0">
                 <a:latin typeface="Courier New" pitchFamily="49" charset="0"/>
                 <a:cs typeface="Courier New" pitchFamily="49" charset="0"/>
               </a:rPr>
-              <a:t>GeekGuestbook_v1</a:t>
+              <a:t>GeekGuestbook</a:t>
             </a:r>
             <a:r>
               <a:rPr lang="sv-SE" dirty="0" smtClean="0"/>
               <a:t>.</a:t>
             </a:r>
+            <a:endParaRPr lang="sv-SE" dirty="0" smtClean="0"/>
           </a:p>
           <a:p>
             <a:r>
@@ -10427,9 +10234,9 @@
       </p:grpSpPr>
       <p:pic>
         <p:nvPicPr>
-          <p:cNvPr id="1032" name="Picture 8"/>
+          <p:cNvPr id="6" name="Bildobjekt 5"/>
           <p:cNvPicPr>
-            <a:picLocks noChangeAspect="1" noChangeArrowheads="1"/>
+            <a:picLocks noChangeAspect="1"/>
           </p:cNvPicPr>
           <p:nvPr/>
         </p:nvPicPr>
@@ -10442,21 +10249,15 @@
               </a:schemeClr>
               <a:prstClr val="white"/>
             </a:duotone>
-            <a:extLst>
-              <a:ext uri="{28A0092B-C50C-407E-A947-70E740481C1C}">
-                <a14:useLocalDpi xmlns:a14="http://schemas.microsoft.com/office/drawing/2010/main" val="0"/>
-              </a:ext>
-            </a:extLst>
           </a:blip>
-          <a:srcRect/>
           <a:stretch>
             <a:fillRect/>
           </a:stretch>
         </p:blipFill>
-        <p:spPr bwMode="auto">
-          <a:xfrm rot="431227">
-            <a:off x="5920674" y="2134602"/>
-            <a:ext cx="3416326" cy="3660349"/>
+        <p:spPr>
+          <a:xfrm rot="408749">
+            <a:off x="6163523" y="1670529"/>
+            <a:ext cx="2871923" cy="4253902"/>
           </a:xfrm>
           <a:prstGeom prst="rect">
             <a:avLst/>
@@ -10466,66 +10267,54 @@
             <a:camera prst="perspectiveContrastingLeftFacing"/>
             <a:lightRig rig="threePt" dir="t"/>
           </a:scene3d>
-          <a:extLst>
-            <a:ext uri="{909E8E84-426E-40DD-AFC4-6F175D3DCCD1}">
-              <a14:hiddenFill xmlns:a14="http://schemas.microsoft.com/office/drawing/2010/main">
-                <a:solidFill>
-                  <a:schemeClr val="accent1"/>
-                </a:solidFill>
-              </a14:hiddenFill>
-            </a:ext>
-            <a:ext uri="{91240B29-F687-4F45-9708-019B960494DF}">
-              <a14:hiddenLine xmlns:a14="http://schemas.microsoft.com/office/drawing/2010/main" w="9525">
-                <a:solidFill>
-                  <a:schemeClr val="tx1"/>
-                </a:solidFill>
-                <a:miter lim="800000"/>
-                <a:headEnd/>
-                <a:tailEnd/>
-              </a14:hiddenLine>
-            </a:ext>
-          </a:extLst>
         </p:spPr>
       </p:pic>
       <p:pic>
         <p:nvPicPr>
-          <p:cNvPr id="1026" name="Picture 2"/>
+          <p:cNvPr id="4" name="Bildobjekt 3"/>
           <p:cNvPicPr>
-            <a:picLocks noChangeAspect="1" noChangeArrowheads="1"/>
+            <a:picLocks noChangeAspect="1"/>
           </p:cNvPicPr>
           <p:nvPr/>
         </p:nvPicPr>
         <p:blipFill>
-          <a:blip r:embed="rId3">
-            <a:extLst>
-              <a:ext uri="{28A0092B-C50C-407E-A947-70E740481C1C}">
-                <a14:useLocalDpi xmlns:a14="http://schemas.microsoft.com/office/drawing/2010/main" val="0"/>
-              </a:ext>
-            </a:extLst>
-          </a:blip>
-          <a:srcRect/>
+          <a:blip r:embed="rId3"/>
           <a:stretch>
             <a:fillRect/>
           </a:stretch>
         </p:blipFill>
-        <p:spPr bwMode="auto">
+        <p:spPr>
           <a:xfrm>
-            <a:off x="462551" y="1515210"/>
-            <a:ext cx="4547620" cy="3142858"/>
+            <a:off x="462552" y="1515211"/>
+            <a:ext cx="4547619" cy="3142857"/>
           </a:xfrm>
           <a:prstGeom prst="rect">
             <a:avLst/>
           </a:prstGeom>
-          <a:noFill/>
-          <a:extLst>
-            <a:ext uri="{909E8E84-426E-40DD-AFC4-6F175D3DCCD1}">
-              <a14:hiddenFill xmlns:a14="http://schemas.microsoft.com/office/drawing/2010/main">
-                <a:solidFill>
-                  <a:srgbClr val="FFFFFF"/>
-                </a:solidFill>
-              </a14:hiddenFill>
-            </a:ext>
-          </a:extLst>
+        </p:spPr>
+      </p:pic>
+      <p:pic>
+        <p:nvPicPr>
+          <p:cNvPr id="5" name="Bildobjekt 4"/>
+          <p:cNvPicPr>
+            <a:picLocks noChangeAspect="1"/>
+          </p:cNvPicPr>
+          <p:nvPr/>
+        </p:nvPicPr>
+        <p:blipFill>
+          <a:blip r:embed="rId4"/>
+          <a:stretch>
+            <a:fillRect/>
+          </a:stretch>
+        </p:blipFill>
+        <p:spPr>
+          <a:xfrm>
+            <a:off x="2578346" y="2736870"/>
+            <a:ext cx="3666667" cy="2738095"/>
+          </a:xfrm>
+          <a:prstGeom prst="rect">
+            <a:avLst/>
+          </a:prstGeom>
         </p:spPr>
       </p:pic>
       <p:sp>
@@ -10579,21 +10368,31 @@
               <a:rPr lang="en-US" sz="1600" dirty="0" smtClean="0">
                 <a:latin typeface="Segoe UI Semibold" pitchFamily="34" charset="0"/>
               </a:rPr>
-              <a:t>ASP.NET MVC 4 Web Application</a:t>
+              <a:t>ASP.NET </a:t>
+            </a:r>
+            <a:r>
+              <a:rPr lang="en-US" sz="1600" dirty="0" smtClean="0">
+                <a:latin typeface="Segoe UI Semibold" pitchFamily="34" charset="0"/>
+              </a:rPr>
+              <a:t>Web </a:t>
+            </a:r>
+            <a:r>
+              <a:rPr lang="en-US" sz="1600" dirty="0" smtClean="0">
+                <a:latin typeface="Segoe UI Semibold" pitchFamily="34" charset="0"/>
+              </a:rPr>
+              <a:t>Application</a:t>
             </a:r>
             <a:r>
               <a:rPr lang="sv-SE" dirty="0" smtClean="0"/>
               <a:t>, </a:t>
             </a:r>
             <a:r>
-              <a:rPr lang="sv-SE" sz="1600" dirty="0" smtClean="0">
-                <a:latin typeface="Segoe UI Semibold" pitchFamily="34" charset="0"/>
-              </a:rPr>
-              <a:t>Basic</a:t>
-            </a:r>
-            <a:r>
               <a:rPr lang="sv-SE" dirty="0" smtClean="0"/>
-              <a:t> och ge det namnet </a:t>
+              <a:t>ge </a:t>
+            </a:r>
+            <a:r>
+              <a:rPr lang="sv-SE" dirty="0" smtClean="0"/>
+              <a:t>det namnet </a:t>
             </a:r>
             <a:r>
               <a:rPr lang="sv-SE" sz="1600" dirty="0" err="1" smtClean="0">
@@ -10604,53 +10403,30 @@
             </a:r>
             <a:r>
               <a:rPr lang="sv-SE" dirty="0" smtClean="0"/>
+              <a:t> och välj </a:t>
+            </a:r>
+            <a:r>
+              <a:rPr lang="sv-SE" dirty="0" err="1" smtClean="0"/>
+              <a:t>projektmallen</a:t>
+            </a:r>
+            <a:r>
+              <a:rPr lang="sv-SE" dirty="0" smtClean="0"/>
+              <a:t> </a:t>
+            </a:r>
+            <a:r>
+              <a:rPr lang="sv-SE" sz="1600" dirty="0" smtClean="0">
+                <a:latin typeface="Segoe UI Semibold" pitchFamily="34" charset="0"/>
+              </a:rPr>
+              <a:t>MVC</a:t>
+            </a:r>
+            <a:r>
+              <a:rPr lang="sv-SE" dirty="0" smtClean="0"/>
               <a:t>.</a:t>
             </a:r>
             <a:endParaRPr lang="sv-SE" dirty="0"/>
           </a:p>
         </p:txBody>
       </p:sp>
-      <p:pic>
-        <p:nvPicPr>
-          <p:cNvPr id="1030" name="Picture 6"/>
-          <p:cNvPicPr>
-            <a:picLocks noChangeAspect="1" noChangeArrowheads="1"/>
-          </p:cNvPicPr>
-          <p:nvPr/>
-        </p:nvPicPr>
-        <p:blipFill>
-          <a:blip r:embed="rId4" cstate="print">
-            <a:extLst>
-              <a:ext uri="{28A0092B-C50C-407E-A947-70E740481C1C}">
-                <a14:useLocalDpi xmlns:a14="http://schemas.microsoft.com/office/drawing/2010/main" val="0"/>
-              </a:ext>
-            </a:extLst>
-          </a:blip>
-          <a:srcRect/>
-          <a:stretch>
-            <a:fillRect/>
-          </a:stretch>
-        </p:blipFill>
-        <p:spPr bwMode="auto">
-          <a:xfrm>
-            <a:off x="3244703" y="2802810"/>
-            <a:ext cx="2601905" cy="2354286"/>
-          </a:xfrm>
-          <a:prstGeom prst="rect">
-            <a:avLst/>
-          </a:prstGeom>
-          <a:noFill/>
-          <a:extLst>
-            <a:ext uri="{909E8E84-426E-40DD-AFC4-6F175D3DCCD1}">
-              <a14:hiddenFill xmlns:a14="http://schemas.microsoft.com/office/drawing/2010/main">
-                <a:solidFill>
-                  <a:srgbClr val="FFFFFF"/>
-                </a:solidFill>
-              </a14:hiddenFill>
-            </a:ext>
-          </a:extLst>
-        </p:spPr>
-      </p:pic>
     </p:spTree>
   </p:cSld>
   <p:clrMapOvr>
@@ -10688,274 +10464,146 @@
       </p:grpSpPr>
       <p:pic>
         <p:nvPicPr>
-          <p:cNvPr id="2050" name="Picture 2"/>
+          <p:cNvPr id="5" name="Bildobjekt 4"/>
           <p:cNvPicPr>
-            <a:picLocks noChangeAspect="1" noChangeArrowheads="1"/>
+            <a:picLocks noChangeAspect="1"/>
           </p:cNvPicPr>
           <p:nvPr/>
         </p:nvPicPr>
         <p:blipFill>
-          <a:blip r:embed="rId2" cstate="print">
-            <a:extLst>
-              <a:ext uri="{28A0092B-C50C-407E-A947-70E740481C1C}">
-                <a14:useLocalDpi xmlns:a14="http://schemas.microsoft.com/office/drawing/2010/main" val="0"/>
-              </a:ext>
-            </a:extLst>
-          </a:blip>
-          <a:srcRect/>
+          <a:blip r:embed="rId2"/>
           <a:stretch>
             <a:fillRect/>
           </a:stretch>
         </p:blipFill>
-        <p:spPr bwMode="auto">
+        <p:spPr>
           <a:xfrm>
-            <a:off x="346076" y="1486093"/>
-            <a:ext cx="3638096" cy="2514286"/>
+            <a:off x="331951" y="1486093"/>
+            <a:ext cx="3638095" cy="2514286"/>
           </a:xfrm>
           <a:prstGeom prst="rect">
             <a:avLst/>
           </a:prstGeom>
-          <a:noFill/>
-          <a:extLst>
-            <a:ext uri="{909E8E84-426E-40DD-AFC4-6F175D3DCCD1}">
-              <a14:hiddenFill xmlns:a14="http://schemas.microsoft.com/office/drawing/2010/main">
-                <a:solidFill>
-                  <a:srgbClr val="FFFFFF"/>
-                </a:solidFill>
-              </a14:hiddenFill>
-            </a:ext>
-          </a:extLst>
         </p:spPr>
       </p:pic>
       <p:pic>
         <p:nvPicPr>
-          <p:cNvPr id="2051" name="Picture 3"/>
+          <p:cNvPr id="6" name="Bildobjekt 5"/>
           <p:cNvPicPr>
-            <a:picLocks noChangeAspect="1" noChangeArrowheads="1"/>
+            <a:picLocks noChangeAspect="1"/>
           </p:cNvPicPr>
           <p:nvPr/>
         </p:nvPicPr>
         <p:blipFill>
-          <a:blip r:embed="rId3" cstate="print">
-            <a:extLst>
-              <a:ext uri="{28A0092B-C50C-407E-A947-70E740481C1C}">
-                <a14:useLocalDpi xmlns:a14="http://schemas.microsoft.com/office/drawing/2010/main" val="0"/>
-              </a:ext>
-            </a:extLst>
-          </a:blip>
-          <a:srcRect/>
+          <a:blip r:embed="rId3"/>
           <a:stretch>
             <a:fillRect/>
           </a:stretch>
         </p:blipFill>
-        <p:spPr bwMode="auto">
+        <p:spPr>
           <a:xfrm>
-            <a:off x="1784350" y="3018893"/>
-            <a:ext cx="2388572" cy="2125714"/>
+            <a:off x="1788945" y="3026711"/>
+            <a:ext cx="2403810" cy="2156190"/>
           </a:xfrm>
           <a:prstGeom prst="rect">
             <a:avLst/>
           </a:prstGeom>
-          <a:noFill/>
-          <a:ln>
-            <a:noFill/>
-          </a:ln>
-          <a:extLst>
-            <a:ext uri="{909E8E84-426E-40DD-AFC4-6F175D3DCCD1}">
-              <a14:hiddenFill xmlns:a14="http://schemas.microsoft.com/office/drawing/2010/main">
-                <a:solidFill>
-                  <a:schemeClr val="accent1"/>
-                </a:solidFill>
-              </a14:hiddenFill>
-            </a:ext>
-            <a:ext uri="{91240B29-F687-4F45-9708-019B960494DF}">
-              <a14:hiddenLine xmlns:a14="http://schemas.microsoft.com/office/drawing/2010/main" w="9525">
-                <a:solidFill>
-                  <a:schemeClr val="tx1"/>
-                </a:solidFill>
-                <a:miter lim="800000"/>
-                <a:headEnd/>
-                <a:tailEnd/>
-              </a14:hiddenLine>
-            </a:ext>
-          </a:extLst>
         </p:spPr>
       </p:pic>
       <p:pic>
         <p:nvPicPr>
-          <p:cNvPr id="2053" name="Picture 5"/>
+          <p:cNvPr id="7" name="Bildobjekt 6"/>
           <p:cNvPicPr>
-            <a:picLocks noChangeAspect="1" noChangeArrowheads="1"/>
+            <a:picLocks noChangeAspect="1"/>
           </p:cNvPicPr>
           <p:nvPr/>
         </p:nvPicPr>
         <p:blipFill>
-          <a:blip r:embed="rId4" cstate="print">
-            <a:extLst>
-              <a:ext uri="{28A0092B-C50C-407E-A947-70E740481C1C}">
-                <a14:useLocalDpi xmlns:a14="http://schemas.microsoft.com/office/drawing/2010/main" val="0"/>
-              </a:ext>
-            </a:extLst>
-          </a:blip>
-          <a:srcRect/>
+          <a:blip r:embed="rId4"/>
           <a:stretch>
             <a:fillRect/>
           </a:stretch>
         </p:blipFill>
-        <p:spPr bwMode="auto">
+        <p:spPr>
           <a:xfrm>
-            <a:off x="3633277" y="1841372"/>
-            <a:ext cx="2388572" cy="2125714"/>
+            <a:off x="3633277" y="1841757"/>
+            <a:ext cx="2403810" cy="2156190"/>
           </a:xfrm>
           <a:prstGeom prst="rect">
             <a:avLst/>
           </a:prstGeom>
-          <a:noFill/>
-          <a:extLst>
-            <a:ext uri="{909E8E84-426E-40DD-AFC4-6F175D3DCCD1}">
-              <a14:hiddenFill xmlns:a14="http://schemas.microsoft.com/office/drawing/2010/main">
-                <a:solidFill>
-                  <a:srgbClr val="FFFFFF"/>
-                </a:solidFill>
-              </a14:hiddenFill>
-            </a:ext>
-          </a:extLst>
         </p:spPr>
       </p:pic>
       <p:pic>
         <p:nvPicPr>
-          <p:cNvPr id="2057" name="Picture 9"/>
+          <p:cNvPr id="8" name="Bildobjekt 7"/>
           <p:cNvPicPr>
-            <a:picLocks noChangeAspect="1" noChangeArrowheads="1"/>
+            <a:picLocks noChangeAspect="1"/>
           </p:cNvPicPr>
           <p:nvPr/>
         </p:nvPicPr>
         <p:blipFill>
-          <a:blip r:embed="rId5" cstate="print">
-            <a:extLst>
-              <a:ext uri="{28A0092B-C50C-407E-A947-70E740481C1C}">
-                <a14:useLocalDpi xmlns:a14="http://schemas.microsoft.com/office/drawing/2010/main" val="0"/>
-              </a:ext>
-            </a:extLst>
-          </a:blip>
-          <a:srcRect/>
+          <a:blip r:embed="rId5"/>
           <a:stretch>
             <a:fillRect/>
           </a:stretch>
         </p:blipFill>
-        <p:spPr bwMode="auto">
+        <p:spPr>
           <a:xfrm>
-            <a:off x="5884734" y="1462505"/>
-            <a:ext cx="1718095" cy="2510476"/>
+            <a:off x="5884734" y="1460073"/>
+            <a:ext cx="1718095" cy="2514286"/>
           </a:xfrm>
           <a:prstGeom prst="rect">
             <a:avLst/>
           </a:prstGeom>
-          <a:noFill/>
-          <a:extLst>
-            <a:ext uri="{909E8E84-426E-40DD-AFC4-6F175D3DCCD1}">
-              <a14:hiddenFill xmlns:a14="http://schemas.microsoft.com/office/drawing/2010/main">
-                <a:solidFill>
-                  <a:srgbClr val="FFFFFF"/>
-                </a:solidFill>
-              </a14:hiddenFill>
-            </a:ext>
-          </a:extLst>
         </p:spPr>
       </p:pic>
       <p:pic>
         <p:nvPicPr>
-          <p:cNvPr id="2061" name="Picture 13"/>
+          <p:cNvPr id="9" name="Bildobjekt 8"/>
           <p:cNvPicPr>
-            <a:picLocks noChangeAspect="1" noChangeArrowheads="1"/>
+            <a:picLocks noChangeAspect="1"/>
           </p:cNvPicPr>
           <p:nvPr/>
         </p:nvPicPr>
         <p:blipFill>
-          <a:blip r:embed="rId6" cstate="print">
-            <a:extLst>
-              <a:ext uri="{28A0092B-C50C-407E-A947-70E740481C1C}">
-                <a14:useLocalDpi xmlns:a14="http://schemas.microsoft.com/office/drawing/2010/main" val="0"/>
-              </a:ext>
-            </a:extLst>
-          </a:blip>
-          <a:srcRect/>
+          <a:blip r:embed="rId6"/>
           <a:stretch>
             <a:fillRect/>
           </a:stretch>
         </p:blipFill>
-        <p:spPr bwMode="auto">
+        <p:spPr>
           <a:xfrm>
             <a:off x="5586221" y="3325281"/>
-            <a:ext cx="2388572" cy="2125714"/>
+            <a:ext cx="2403810" cy="2156190"/>
           </a:xfrm>
           <a:prstGeom prst="rect">
             <a:avLst/>
           </a:prstGeom>
-          <a:noFill/>
-          <a:extLst>
-            <a:ext uri="{909E8E84-426E-40DD-AFC4-6F175D3DCCD1}">
-              <a14:hiddenFill xmlns:a14="http://schemas.microsoft.com/office/drawing/2010/main">
-                <a:solidFill>
-                  <a:srgbClr val="FFFFFF"/>
-                </a:solidFill>
-              </a14:hiddenFill>
-            </a:ext>
-          </a:extLst>
         </p:spPr>
       </p:pic>
       <p:pic>
         <p:nvPicPr>
-          <p:cNvPr id="2062" name="Picture 14"/>
+          <p:cNvPr id="10" name="Bildobjekt 9"/>
           <p:cNvPicPr>
-            <a:picLocks noChangeAspect="1" noChangeArrowheads="1"/>
+            <a:picLocks noChangeAspect="1"/>
           </p:cNvPicPr>
           <p:nvPr/>
         </p:nvPicPr>
         <p:blipFill>
-          <a:blip r:embed="rId7" cstate="print">
-            <a:extLst>
-              <a:ext uri="{28A0092B-C50C-407E-A947-70E740481C1C}">
-                <a14:useLocalDpi xmlns:a14="http://schemas.microsoft.com/office/drawing/2010/main" val="0"/>
-              </a:ext>
-            </a:extLst>
-          </a:blip>
-          <a:srcRect/>
+          <a:blip r:embed="rId7"/>
           <a:stretch>
             <a:fillRect/>
           </a:stretch>
         </p:blipFill>
-        <p:spPr bwMode="auto">
+        <p:spPr>
           <a:xfrm>
             <a:off x="7783941" y="2261281"/>
-            <a:ext cx="1173334" cy="1680000"/>
+            <a:ext cx="1192381" cy="2030476"/>
           </a:xfrm>
           <a:prstGeom prst="rect">
             <a:avLst/>
           </a:prstGeom>
-          <a:noFill/>
-          <a:ln>
-            <a:noFill/>
-          </a:ln>
-          <a:extLst>
-            <a:ext uri="{909E8E84-426E-40DD-AFC4-6F175D3DCCD1}">
-              <a14:hiddenFill xmlns:a14="http://schemas.microsoft.com/office/drawing/2010/main">
-                <a:solidFill>
-                  <a:schemeClr val="accent1"/>
-                </a:solidFill>
-              </a14:hiddenFill>
-            </a:ext>
-            <a:ext uri="{91240B29-F687-4F45-9708-019B960494DF}">
-              <a14:hiddenLine xmlns:a14="http://schemas.microsoft.com/office/drawing/2010/main" w="9525">
-                <a:solidFill>
-                  <a:schemeClr val="tx1"/>
-                </a:solidFill>
-                <a:miter lim="800000"/>
-                <a:headEnd/>
-                <a:tailEnd/>
-              </a14:hiddenLine>
-            </a:ext>
-          </a:extLst>
         </p:spPr>
       </p:pic>
       <p:sp>
@@ -11815,6 +11463,30 @@
           <a:chExt cx="0" cy="0"/>
         </a:xfrm>
       </p:grpSpPr>
+      <p:pic>
+        <p:nvPicPr>
+          <p:cNvPr id="5" name="Bildobjekt 4"/>
+          <p:cNvPicPr>
+            <a:picLocks noChangeAspect="1"/>
+          </p:cNvPicPr>
+          <p:nvPr/>
+        </p:nvPicPr>
+        <p:blipFill>
+          <a:blip r:embed="rId2"/>
+          <a:stretch>
+            <a:fillRect/>
+          </a:stretch>
+        </p:blipFill>
+        <p:spPr>
+          <a:xfrm>
+            <a:off x="4501124" y="817563"/>
+            <a:ext cx="4314320" cy="4750711"/>
+          </a:xfrm>
+          <a:prstGeom prst="rect">
+            <a:avLst/>
+          </a:prstGeom>
+        </p:spPr>
+      </p:pic>
       <p:sp>
         <p:nvSpPr>
           <p:cNvPr id="2" name="Rubrik 1"/>
@@ -11962,60 +11634,6 @@
           </a:p>
         </p:txBody>
       </p:sp>
-      <p:pic>
-        <p:nvPicPr>
-          <p:cNvPr id="4" name="Picture 2"/>
-          <p:cNvPicPr>
-            <a:picLocks noChangeAspect="1" noChangeArrowheads="1"/>
-          </p:cNvPicPr>
-          <p:nvPr/>
-        </p:nvPicPr>
-        <p:blipFill>
-          <a:blip r:embed="rId2">
-            <a:extLst>
-              <a:ext uri="{28A0092B-C50C-407E-A947-70E740481C1C}">
-                <a14:useLocalDpi xmlns:a14="http://schemas.microsoft.com/office/drawing/2010/main" val="0"/>
-              </a:ext>
-            </a:extLst>
-          </a:blip>
-          <a:srcRect/>
-          <a:stretch>
-            <a:fillRect/>
-          </a:stretch>
-        </p:blipFill>
-        <p:spPr bwMode="auto">
-          <a:xfrm>
-            <a:off x="4413075" y="817563"/>
-            <a:ext cx="4123550" cy="4770381"/>
-          </a:xfrm>
-          <a:prstGeom prst="rect">
-            <a:avLst/>
-          </a:prstGeom>
-          <a:noFill/>
-          <a:ln>
-            <a:noFill/>
-          </a:ln>
-          <a:extLst>
-            <a:ext uri="{909E8E84-426E-40DD-AFC4-6F175D3DCCD1}">
-              <a14:hiddenFill xmlns:a14="http://schemas.microsoft.com/office/drawing/2010/main">
-                <a:solidFill>
-                  <a:schemeClr val="accent1"/>
-                </a:solidFill>
-              </a14:hiddenFill>
-            </a:ext>
-            <a:ext uri="{91240B29-F687-4F45-9708-019B960494DF}">
-              <a14:hiddenLine xmlns:a14="http://schemas.microsoft.com/office/drawing/2010/main" w="9525">
-                <a:solidFill>
-                  <a:schemeClr val="tx1"/>
-                </a:solidFill>
-                <a:miter lim="800000"/>
-                <a:headEnd/>
-                <a:tailEnd/>
-              </a14:hiddenLine>
-            </a:ext>
-          </a:extLst>
-        </p:spPr>
-      </p:pic>
     </p:spTree>
   </p:cSld>
   <p:clrMapOvr>
@@ -12053,9 +11671,9 @@
       </p:grpSpPr>
       <p:pic>
         <p:nvPicPr>
-          <p:cNvPr id="1027" name="Picture 3"/>
+          <p:cNvPr id="7" name="Bildobjekt 6"/>
           <p:cNvPicPr>
-            <a:picLocks noChangeAspect="1" noChangeArrowheads="1"/>
+            <a:picLocks noChangeAspect="1"/>
           </p:cNvPicPr>
           <p:nvPr/>
         </p:nvPicPr>
@@ -12068,21 +11686,15 @@
               </a:schemeClr>
               <a:prstClr val="white"/>
             </a:duotone>
-            <a:extLst>
-              <a:ext uri="{28A0092B-C50C-407E-A947-70E740481C1C}">
-                <a14:useLocalDpi xmlns:a14="http://schemas.microsoft.com/office/drawing/2010/main" val="0"/>
-              </a:ext>
-            </a:extLst>
           </a:blip>
-          <a:srcRect/>
           <a:stretch>
             <a:fillRect/>
           </a:stretch>
         </p:blipFill>
-        <p:spPr bwMode="auto">
+        <p:spPr>
           <a:xfrm>
-            <a:off x="6583505" y="1716468"/>
-            <a:ext cx="2880535" cy="4289895"/>
+            <a:off x="6801666" y="1712231"/>
+            <a:ext cx="2780952" cy="4228571"/>
           </a:xfrm>
           <a:prstGeom prst="rect">
             <a:avLst/>
@@ -12092,66 +11704,54 @@
             <a:camera prst="perspectiveContrastingLeftFacing"/>
             <a:lightRig rig="threePt" dir="t"/>
           </a:scene3d>
-          <a:extLst>
-            <a:ext uri="{909E8E84-426E-40DD-AFC4-6F175D3DCCD1}">
-              <a14:hiddenFill xmlns:a14="http://schemas.microsoft.com/office/drawing/2010/main">
-                <a:solidFill>
-                  <a:schemeClr val="accent1"/>
-                </a:solidFill>
-              </a14:hiddenFill>
-            </a:ext>
-            <a:ext uri="{91240B29-F687-4F45-9708-019B960494DF}">
-              <a14:hiddenLine xmlns:a14="http://schemas.microsoft.com/office/drawing/2010/main" w="9525">
-                <a:solidFill>
-                  <a:schemeClr val="tx1"/>
-                </a:solidFill>
-                <a:miter lim="800000"/>
-                <a:headEnd/>
-                <a:tailEnd/>
-              </a14:hiddenLine>
-            </a:ext>
-          </a:extLst>
         </p:spPr>
       </p:pic>
       <p:pic>
         <p:nvPicPr>
-          <p:cNvPr id="1026" name="Picture 2"/>
+          <p:cNvPr id="5" name="Bildobjekt 4"/>
           <p:cNvPicPr>
-            <a:picLocks noChangeAspect="1" noChangeArrowheads="1"/>
+            <a:picLocks noChangeAspect="1"/>
           </p:cNvPicPr>
           <p:nvPr/>
         </p:nvPicPr>
         <p:blipFill>
-          <a:blip r:embed="rId3">
-            <a:extLst>
-              <a:ext uri="{28A0092B-C50C-407E-A947-70E740481C1C}">
-                <a14:useLocalDpi xmlns:a14="http://schemas.microsoft.com/office/drawing/2010/main" val="0"/>
-              </a:ext>
-            </a:extLst>
-          </a:blip>
-          <a:srcRect/>
+          <a:blip r:embed="rId3"/>
           <a:stretch>
             <a:fillRect/>
           </a:stretch>
         </p:blipFill>
-        <p:spPr bwMode="auto">
+        <p:spPr>
           <a:xfrm>
-            <a:off x="1434117" y="1716468"/>
-            <a:ext cx="5753100" cy="3743325"/>
+            <a:off x="457200" y="1592734"/>
+            <a:ext cx="5457143" cy="3771428"/>
           </a:xfrm>
           <a:prstGeom prst="rect">
             <a:avLst/>
           </a:prstGeom>
-          <a:noFill/>
-          <a:extLst>
-            <a:ext uri="{909E8E84-426E-40DD-AFC4-6F175D3DCCD1}">
-              <a14:hiddenFill xmlns:a14="http://schemas.microsoft.com/office/drawing/2010/main">
-                <a:solidFill>
-                  <a:srgbClr val="FFFFFF"/>
-                </a:solidFill>
-              </a14:hiddenFill>
-            </a:ext>
-          </a:extLst>
+        </p:spPr>
+      </p:pic>
+      <p:pic>
+        <p:nvPicPr>
+          <p:cNvPr id="6" name="Bildobjekt 5"/>
+          <p:cNvPicPr>
+            <a:picLocks noChangeAspect="1"/>
+          </p:cNvPicPr>
+          <p:nvPr/>
+        </p:nvPicPr>
+        <p:blipFill>
+          <a:blip r:embed="rId4"/>
+          <a:stretch>
+            <a:fillRect/>
+          </a:stretch>
+        </p:blipFill>
+        <p:spPr>
+          <a:xfrm>
+            <a:off x="2850801" y="4882767"/>
+            <a:ext cx="3428572" cy="725714"/>
+          </a:xfrm>
+          <a:prstGeom prst="rect">
+            <a:avLst/>
+          </a:prstGeom>
         </p:spPr>
       </p:pic>
       <p:sp>
@@ -12241,29 +11841,22 @@
       </p:sp>
       <p:pic>
         <p:nvPicPr>
-          <p:cNvPr id="4101" name="Picture 5"/>
+          <p:cNvPr id="8" name="Bildobjekt 7"/>
           <p:cNvPicPr>
-            <a:picLocks noChangeAspect="1" noChangeArrowheads="1"/>
+            <a:picLocks noChangeAspect="1"/>
           </p:cNvPicPr>
           <p:nvPr/>
         </p:nvPicPr>
         <p:blipFill>
-          <a:blip r:embed="rId4">
-            <a:extLst>
-              <a:ext uri="{28A0092B-C50C-407E-A947-70E740481C1C}">
-                <a14:useLocalDpi xmlns:a14="http://schemas.microsoft.com/office/drawing/2010/main" val="0"/>
-              </a:ext>
-            </a:extLst>
-          </a:blip>
-          <a:srcRect/>
+          <a:blip r:embed="rId5"/>
           <a:stretch>
             <a:fillRect/>
           </a:stretch>
         </p:blipFill>
-        <p:spPr bwMode="auto">
-          <a:xfrm rot="969543">
-            <a:off x="2832444" y="2977390"/>
-            <a:ext cx="3981450" cy="3248025"/>
+        <p:spPr>
+          <a:xfrm rot="777784">
+            <a:off x="3492891" y="2012151"/>
+            <a:ext cx="3980952" cy="3190476"/>
           </a:xfrm>
           <a:prstGeom prst="rect">
             <a:avLst/>
@@ -12300,7 +11893,6 @@
               <a:srgbClr val="FFFFFF"/>
             </a:contourClr>
           </a:sp3d>
-          <a:extLst/>
         </p:spPr>
       </p:pic>
     </p:spTree>
